--- a/NLP Final Project Poster.pptx
+++ b/NLP Final Project Poster.pptx
@@ -197,7 +197,7 @@
           <a:p>
             <a:fld id="{CAE0B723-3AEC-4914-B9BC-1B184E7E8530}" type="datetimeFigureOut">
               <a:rPr lang="en-US" smtClean="0"/>
-              <a:t>12/7/20</a:t>
+              <a:t>12/8/20</a:t>
             </a:fld>
             <a:endParaRPr lang="en-US"/>
           </a:p>
@@ -611,7 +611,7 @@
           <a:p>
             <a:fld id="{0E7E9A94-02A0-4F2B-96AF-D0081BE98137}" type="datetimeFigureOut">
               <a:rPr lang="en-US" smtClean="0"/>
-              <a:t>12/7/20</a:t>
+              <a:t>12/8/20</a:t>
             </a:fld>
             <a:endParaRPr lang="en-US"/>
           </a:p>
@@ -809,7 +809,7 @@
           <a:p>
             <a:fld id="{0E7E9A94-02A0-4F2B-96AF-D0081BE98137}" type="datetimeFigureOut">
               <a:rPr lang="en-US" smtClean="0"/>
-              <a:t>12/7/20</a:t>
+              <a:t>12/8/20</a:t>
             </a:fld>
             <a:endParaRPr lang="en-US"/>
           </a:p>
@@ -1017,7 +1017,7 @@
           <a:p>
             <a:fld id="{0E7E9A94-02A0-4F2B-96AF-D0081BE98137}" type="datetimeFigureOut">
               <a:rPr lang="en-US" smtClean="0"/>
-              <a:t>12/7/20</a:t>
+              <a:t>12/8/20</a:t>
             </a:fld>
             <a:endParaRPr lang="en-US"/>
           </a:p>
@@ -1215,7 +1215,7 @@
           <a:p>
             <a:fld id="{0E7E9A94-02A0-4F2B-96AF-D0081BE98137}" type="datetimeFigureOut">
               <a:rPr lang="en-US" smtClean="0"/>
-              <a:t>12/7/20</a:t>
+              <a:t>12/8/20</a:t>
             </a:fld>
             <a:endParaRPr lang="en-US"/>
           </a:p>
@@ -1490,7 +1490,7 @@
           <a:p>
             <a:fld id="{0E7E9A94-02A0-4F2B-96AF-D0081BE98137}" type="datetimeFigureOut">
               <a:rPr lang="en-US" smtClean="0"/>
-              <a:t>12/7/20</a:t>
+              <a:t>12/8/20</a:t>
             </a:fld>
             <a:endParaRPr lang="en-US"/>
           </a:p>
@@ -1755,7 +1755,7 @@
           <a:p>
             <a:fld id="{0E7E9A94-02A0-4F2B-96AF-D0081BE98137}" type="datetimeFigureOut">
               <a:rPr lang="en-US" smtClean="0"/>
-              <a:t>12/7/20</a:t>
+              <a:t>12/8/20</a:t>
             </a:fld>
             <a:endParaRPr lang="en-US"/>
           </a:p>
@@ -2167,7 +2167,7 @@
           <a:p>
             <a:fld id="{0E7E9A94-02A0-4F2B-96AF-D0081BE98137}" type="datetimeFigureOut">
               <a:rPr lang="en-US" smtClean="0"/>
-              <a:t>12/7/20</a:t>
+              <a:t>12/8/20</a:t>
             </a:fld>
             <a:endParaRPr lang="en-US"/>
           </a:p>
@@ -2308,7 +2308,7 @@
           <a:p>
             <a:fld id="{0E7E9A94-02A0-4F2B-96AF-D0081BE98137}" type="datetimeFigureOut">
               <a:rPr lang="en-US" smtClean="0"/>
-              <a:t>12/7/20</a:t>
+              <a:t>12/8/20</a:t>
             </a:fld>
             <a:endParaRPr lang="en-US"/>
           </a:p>
@@ -2421,7 +2421,7 @@
           <a:p>
             <a:fld id="{0E7E9A94-02A0-4F2B-96AF-D0081BE98137}" type="datetimeFigureOut">
               <a:rPr lang="en-US" smtClean="0"/>
-              <a:t>12/7/20</a:t>
+              <a:t>12/8/20</a:t>
             </a:fld>
             <a:endParaRPr lang="en-US"/>
           </a:p>
@@ -2732,7 +2732,7 @@
           <a:p>
             <a:fld id="{0E7E9A94-02A0-4F2B-96AF-D0081BE98137}" type="datetimeFigureOut">
               <a:rPr lang="en-US" smtClean="0"/>
-              <a:t>12/7/20</a:t>
+              <a:t>12/8/20</a:t>
             </a:fld>
             <a:endParaRPr lang="en-US"/>
           </a:p>
@@ -3020,7 +3020,7 @@
           <a:p>
             <a:fld id="{0E7E9A94-02A0-4F2B-96AF-D0081BE98137}" type="datetimeFigureOut">
               <a:rPr lang="en-US" smtClean="0"/>
-              <a:t>12/7/20</a:t>
+              <a:t>12/8/20</a:t>
             </a:fld>
             <a:endParaRPr lang="en-US"/>
           </a:p>
@@ -3261,7 +3261,7 @@
           <a:p>
             <a:fld id="{0E7E9A94-02A0-4F2B-96AF-D0081BE98137}" type="datetimeFigureOut">
               <a:rPr lang="en-US" smtClean="0"/>
-              <a:t>12/7/20</a:t>
+              <a:t>12/8/20</a:t>
             </a:fld>
             <a:endParaRPr lang="en-US"/>
           </a:p>
@@ -3864,7 +3864,7 @@
         <p:spPr>
           <a:xfrm>
             <a:off x="376619" y="5348758"/>
-            <a:ext cx="12420600" cy="4401205"/>
+            <a:ext cx="12420600" cy="5509200"/>
           </a:xfrm>
           <a:prstGeom prst="rect">
             <a:avLst/>
@@ -3890,11 +3890,73 @@
                 <a:effectLst/>
                 <a:latin typeface="Times New Roman" panose="02020603050405020304" pitchFamily="18" charset="0"/>
               </a:rPr>
-              <a:t>Our group is interested in labelling meal types by the recipe ingredients and compare our model to the literatures model in 2019: </a:t>
-            </a:r>
-          </a:p>
-          <a:p>
-            <a:endParaRPr lang="en-US" sz="4000" dirty="0">
+              <a:t>Our group is interested in labelling meal types by the recipe ingredients:</a:t>
+            </a:r>
+            <a:endParaRPr lang="en-US" sz="1200" b="0" i="0" u="none" strike="noStrike" dirty="0">
+              <a:solidFill>
+                <a:srgbClr val="000000"/>
+              </a:solidFill>
+              <a:effectLst/>
+              <a:latin typeface="Times New Roman" panose="02020603050405020304" pitchFamily="18" charset="0"/>
+              <a:cs typeface="Times New Roman" panose="02020603050405020304" pitchFamily="18" charset="0"/>
+            </a:endParaRPr>
+          </a:p>
+          <a:p>
+            <a:endParaRPr lang="en-US" sz="1200" b="0" i="0" u="none" strike="noStrike" dirty="0">
+              <a:solidFill>
+                <a:srgbClr val="000000"/>
+              </a:solidFill>
+              <a:effectLst/>
+              <a:latin typeface="Times New Roman" panose="02020603050405020304" pitchFamily="18" charset="0"/>
+              <a:cs typeface="Times New Roman" panose="02020603050405020304" pitchFamily="18" charset="0"/>
+            </a:endParaRPr>
+          </a:p>
+          <a:p>
+            <a:endParaRPr lang="en-US" sz="1200" dirty="0">
+              <a:solidFill>
+                <a:srgbClr val="000000"/>
+              </a:solidFill>
+              <a:latin typeface="Times New Roman" panose="02020603050405020304" pitchFamily="18" charset="0"/>
+              <a:cs typeface="Times New Roman" panose="02020603050405020304" pitchFamily="18" charset="0"/>
+            </a:endParaRPr>
+          </a:p>
+          <a:p>
+            <a:endParaRPr lang="en-US" sz="1200" b="0" i="0" u="none" strike="noStrike" dirty="0">
+              <a:solidFill>
+                <a:srgbClr val="000000"/>
+              </a:solidFill>
+              <a:effectLst/>
+              <a:latin typeface="Times New Roman" panose="02020603050405020304" pitchFamily="18" charset="0"/>
+              <a:cs typeface="Times New Roman" panose="02020603050405020304" pitchFamily="18" charset="0"/>
+            </a:endParaRPr>
+          </a:p>
+          <a:p>
+            <a:r>
+              <a:rPr lang="en-US" sz="4000" b="1" dirty="0">
+                <a:latin typeface="Times New Roman" panose="02020603050405020304" pitchFamily="18" charset="0"/>
+                <a:cs typeface="Times New Roman" panose="02020603050405020304" pitchFamily="18" charset="0"/>
+              </a:rPr>
+              <a:t>Can a reliable model be built with this dataset to classify a recipe as an Appetizer and Snack, Breakfast and Lunch, Dessert, Dinner, or Drink? </a:t>
+            </a:r>
+            <a:endParaRPr lang="en-US" sz="4000" b="1" i="0" u="none" strike="noStrike" dirty="0">
+              <a:solidFill>
+                <a:srgbClr val="000000"/>
+              </a:solidFill>
+              <a:effectLst/>
+              <a:latin typeface="Times New Roman" panose="02020603050405020304" pitchFamily="18" charset="0"/>
+              <a:cs typeface="Times New Roman" panose="02020603050405020304" pitchFamily="18" charset="0"/>
+            </a:endParaRPr>
+          </a:p>
+          <a:p>
+            <a:endParaRPr lang="en-US" sz="1200" dirty="0">
+              <a:solidFill>
+                <a:srgbClr val="000000"/>
+              </a:solidFill>
+              <a:latin typeface="Times New Roman" panose="02020603050405020304" pitchFamily="18" charset="0"/>
+            </a:endParaRPr>
+          </a:p>
+          <a:p>
+            <a:endParaRPr lang="en-US" sz="1200" dirty="0">
               <a:solidFill>
                 <a:srgbClr val="000000"/>
               </a:solidFill>
@@ -4017,47 +4079,7 @@
                 <a:effectLst/>
                 <a:latin typeface="Times New Roman" panose="02020603050405020304" pitchFamily="18" charset="0"/>
               </a:rPr>
-              <a:t>, Barbara </a:t>
-            </a:r>
-            <a:r>
-              <a:rPr lang="en-US" sz="4000" b="0" i="0" u="none" strike="noStrike" dirty="0" err="1">
-                <a:solidFill>
-                  <a:srgbClr val="000000"/>
-                </a:solidFill>
-                <a:effectLst/>
-                <a:latin typeface="Times New Roman" panose="02020603050405020304" pitchFamily="18" charset="0"/>
-              </a:rPr>
-              <a:t>Korousic</a:t>
-            </a:r>
-            <a:r>
-              <a:rPr lang="en-US" sz="4000" b="0" i="0" u="none" strike="noStrike" dirty="0">
-                <a:solidFill>
-                  <a:srgbClr val="000000"/>
-                </a:solidFill>
-                <a:effectLst/>
-                <a:latin typeface="Times New Roman" panose="02020603050405020304" pitchFamily="18" charset="0"/>
-              </a:rPr>
-              <a:t> Seljak, and Tome </a:t>
-            </a:r>
-            <a:r>
-              <a:rPr lang="en-US" sz="4000" b="0" i="0" u="none" strike="noStrike" dirty="0" err="1">
-                <a:solidFill>
-                  <a:srgbClr val="000000"/>
-                </a:solidFill>
-                <a:effectLst/>
-                <a:latin typeface="Times New Roman" panose="02020603050405020304" pitchFamily="18" charset="0"/>
-              </a:rPr>
-              <a:t>Eftimov</a:t>
-            </a:r>
-            <a:r>
-              <a:rPr lang="en-US" sz="4000" b="0" i="0" u="none" strike="noStrike" dirty="0">
-                <a:solidFill>
-                  <a:srgbClr val="000000"/>
-                </a:solidFill>
-                <a:effectLst/>
-                <a:latin typeface="Times New Roman" panose="02020603050405020304" pitchFamily="18" charset="0"/>
-              </a:rPr>
-              <a:t>.</a:t>
+              <a:t>, et. al</a:t>
             </a:r>
           </a:p>
         </p:txBody>
@@ -4211,7 +4233,7 @@
         </p:nvSpPr>
         <p:spPr>
           <a:xfrm>
-            <a:off x="13227807" y="8701616"/>
+            <a:off x="13227807" y="8854016"/>
             <a:ext cx="12420600" cy="1938992"/>
           </a:xfrm>
           <a:prstGeom prst="rect">
@@ -5365,53 +5387,6 @@
           <a:xfrm>
             <a:off x="15681214" y="25515672"/>
             <a:ext cx="9393778" cy="6621309"/>
-          </a:xfrm>
-          <a:prstGeom prst="rect">
-            <a:avLst/>
-          </a:prstGeom>
-          <a:noFill/>
-          <a:extLst>
-            <a:ext uri="{909E8E84-426E-40DD-AFC4-6F175D3DCCD1}">
-              <a14:hiddenFill xmlns:a14="http://schemas.microsoft.com/office/drawing/2010/main">
-                <a:solidFill>
-                  <a:srgbClr val="FFFFFF"/>
-                </a:solidFill>
-              </a14:hiddenFill>
-            </a:ext>
-          </a:extLst>
-        </p:spPr>
-      </p:pic>
-      <p:pic>
-        <p:nvPicPr>
-          <p:cNvPr id="1028" name="Picture 4">
-            <a:extLst>
-              <a:ext uri="{FF2B5EF4-FFF2-40B4-BE49-F238E27FC236}">
-                <a16:creationId xmlns:a16="http://schemas.microsoft.com/office/drawing/2014/main" id="{D773B87D-3332-9E47-8119-9B3CF493BB73}"/>
-              </a:ext>
-            </a:extLst>
-          </p:cNvPr>
-          <p:cNvPicPr>
-            <a:picLocks noChangeAspect="1" noChangeArrowheads="1"/>
-          </p:cNvPicPr>
-          <p:nvPr/>
-        </p:nvPicPr>
-        <p:blipFill>
-          <a:blip r:embed="rId12">
-            <a:extLst>
-              <a:ext uri="{28A0092B-C50C-407E-A947-70E740481C1C}">
-                <a14:useLocalDpi xmlns:a14="http://schemas.microsoft.com/office/drawing/2010/main" val="0"/>
-              </a:ext>
-            </a:extLst>
-          </a:blip>
-          <a:srcRect/>
-          <a:stretch>
-            <a:fillRect/>
-          </a:stretch>
-        </p:blipFill>
-        <p:spPr bwMode="auto">
-          <a:xfrm>
-            <a:off x="20135850" y="14935200"/>
-            <a:ext cx="3619500" cy="3048000"/>
           </a:xfrm>
           <a:prstGeom prst="rect">
             <a:avLst/>
